--- a/Weekly Summary/ppt/EMBEDDED_STUDY_2주차.pptx
+++ b/Weekly Summary/ppt/EMBEDDED_STUDY_2주차.pptx
@@ -5161,66 +5161,6 @@
           </a:p>
         </p:txBody>
       </p:sp>
-      <p:pic>
-        <p:nvPicPr>
-          <p:cNvPr id="4" name="그림 3">
-            <a:extLst>
-              <a:ext uri="{FF2B5EF4-FFF2-40B4-BE49-F238E27FC236}">
-                <a16:creationId xmlns:a16="http://schemas.microsoft.com/office/drawing/2014/main" id="{B5C0E9F1-61A4-40C6-B16F-8E16C03DA140}"/>
-              </a:ext>
-            </a:extLst>
-          </p:cNvPr>
-          <p:cNvPicPr>
-            <a:picLocks noChangeAspect="1"/>
-          </p:cNvPicPr>
-          <p:nvPr/>
-        </p:nvPicPr>
-        <p:blipFill>
-          <a:blip r:embed="rId3"/>
-          <a:stretch>
-            <a:fillRect/>
-          </a:stretch>
-        </p:blipFill>
-        <p:spPr>
-          <a:xfrm>
-            <a:off x="8466466" y="199369"/>
-            <a:ext cx="3652209" cy="3790740"/>
-          </a:xfrm>
-          <a:prstGeom prst="rect">
-            <a:avLst/>
-          </a:prstGeom>
-        </p:spPr>
-      </p:pic>
-      <p:pic>
-        <p:nvPicPr>
-          <p:cNvPr id="6" name="그림 5">
-            <a:extLst>
-              <a:ext uri="{FF2B5EF4-FFF2-40B4-BE49-F238E27FC236}">
-                <a16:creationId xmlns:a16="http://schemas.microsoft.com/office/drawing/2014/main" id="{754B963F-5925-4117-9600-500F43B1AE26}"/>
-              </a:ext>
-            </a:extLst>
-          </p:cNvPr>
-          <p:cNvPicPr>
-            <a:picLocks noChangeAspect="1"/>
-          </p:cNvPicPr>
-          <p:nvPr/>
-        </p:nvPicPr>
-        <p:blipFill>
-          <a:blip r:embed="rId4"/>
-          <a:stretch>
-            <a:fillRect/>
-          </a:stretch>
-        </p:blipFill>
-        <p:spPr>
-          <a:xfrm>
-            <a:off x="4494275" y="1563063"/>
-            <a:ext cx="3962953" cy="4267796"/>
-          </a:xfrm>
-          <a:prstGeom prst="rect">
-            <a:avLst/>
-          </a:prstGeom>
-        </p:spPr>
-      </p:pic>
     </p:spTree>
     <p:extLst>
       <p:ext uri="{BB962C8B-B14F-4D97-AF65-F5344CB8AC3E}">
